--- a/docs/diagrams/ModelComponentClassBetterOopDiagram.pptx
+++ b/docs/diagrams/ModelComponentClassBetterOopDiagram.pptx
@@ -208,7 +208,7 @@
           <a:p>
             <a:fld id="{F5CC4B3F-88C1-4FFA-B1B6-F41C21DC6924}" type="datetimeFigureOut">
               <a:rPr lang="en-US" smtClean="0"/>
-              <a:t>6/27/2018</a:t>
+              <a:t>11/10/2018</a:t>
             </a:fld>
             <a:endParaRPr lang="en-US"/>
           </a:p>
@@ -654,7 +654,7 @@
           <a:p>
             <a:fld id="{78C97017-6FC3-485B-9764-EAC9E56C1D49}" type="datetimeFigureOut">
               <a:rPr lang="en-US" smtClean="0"/>
-              <a:t>6/27/2018</a:t>
+              <a:t>11/10/2018</a:t>
             </a:fld>
             <a:endParaRPr lang="en-US"/>
           </a:p>
@@ -822,7 +822,7 @@
           <a:p>
             <a:fld id="{78C97017-6FC3-485B-9764-EAC9E56C1D49}" type="datetimeFigureOut">
               <a:rPr lang="en-US" smtClean="0"/>
-              <a:t>6/27/2018</a:t>
+              <a:t>11/10/2018</a:t>
             </a:fld>
             <a:endParaRPr lang="en-US"/>
           </a:p>
@@ -1000,7 +1000,7 @@
           <a:p>
             <a:fld id="{78C97017-6FC3-485B-9764-EAC9E56C1D49}" type="datetimeFigureOut">
               <a:rPr lang="en-US" smtClean="0"/>
-              <a:t>6/27/2018</a:t>
+              <a:t>11/10/2018</a:t>
             </a:fld>
             <a:endParaRPr lang="en-US"/>
           </a:p>
@@ -1168,7 +1168,7 @@
           <a:p>
             <a:fld id="{78C97017-6FC3-485B-9764-EAC9E56C1D49}" type="datetimeFigureOut">
               <a:rPr lang="en-US" smtClean="0"/>
-              <a:t>6/27/2018</a:t>
+              <a:t>11/10/2018</a:t>
             </a:fld>
             <a:endParaRPr lang="en-US"/>
           </a:p>
@@ -1413,7 +1413,7 @@
           <a:p>
             <a:fld id="{78C97017-6FC3-485B-9764-EAC9E56C1D49}" type="datetimeFigureOut">
               <a:rPr lang="en-US" smtClean="0"/>
-              <a:t>6/27/2018</a:t>
+              <a:t>11/10/2018</a:t>
             </a:fld>
             <a:endParaRPr lang="en-US"/>
           </a:p>
@@ -1698,7 +1698,7 @@
           <a:p>
             <a:fld id="{78C97017-6FC3-485B-9764-EAC9E56C1D49}" type="datetimeFigureOut">
               <a:rPr lang="en-US" smtClean="0"/>
-              <a:t>6/27/2018</a:t>
+              <a:t>11/10/2018</a:t>
             </a:fld>
             <a:endParaRPr lang="en-US"/>
           </a:p>
@@ -2117,7 +2117,7 @@
           <a:p>
             <a:fld id="{78C97017-6FC3-485B-9764-EAC9E56C1D49}" type="datetimeFigureOut">
               <a:rPr lang="en-US" smtClean="0"/>
-              <a:t>6/27/2018</a:t>
+              <a:t>11/10/2018</a:t>
             </a:fld>
             <a:endParaRPr lang="en-US"/>
           </a:p>
@@ -2234,7 +2234,7 @@
           <a:p>
             <a:fld id="{78C97017-6FC3-485B-9764-EAC9E56C1D49}" type="datetimeFigureOut">
               <a:rPr lang="en-US" smtClean="0"/>
-              <a:t>6/27/2018</a:t>
+              <a:t>11/10/2018</a:t>
             </a:fld>
             <a:endParaRPr lang="en-US"/>
           </a:p>
@@ -2329,7 +2329,7 @@
           <a:p>
             <a:fld id="{78C97017-6FC3-485B-9764-EAC9E56C1D49}" type="datetimeFigureOut">
               <a:rPr lang="en-US" smtClean="0"/>
-              <a:t>6/27/2018</a:t>
+              <a:t>11/10/2018</a:t>
             </a:fld>
             <a:endParaRPr lang="en-US"/>
           </a:p>
@@ -2604,7 +2604,7 @@
           <a:p>
             <a:fld id="{78C97017-6FC3-485B-9764-EAC9E56C1D49}" type="datetimeFigureOut">
               <a:rPr lang="en-US" smtClean="0"/>
-              <a:t>6/27/2018</a:t>
+              <a:t>11/10/2018</a:t>
             </a:fld>
             <a:endParaRPr lang="en-US"/>
           </a:p>
@@ -2856,7 +2856,7 @@
           <a:p>
             <a:fld id="{78C97017-6FC3-485B-9764-EAC9E56C1D49}" type="datetimeFigureOut">
               <a:rPr lang="en-US" smtClean="0"/>
-              <a:t>6/27/2018</a:t>
+              <a:t>11/10/2018</a:t>
             </a:fld>
             <a:endParaRPr lang="en-US"/>
           </a:p>
@@ -3067,7 +3067,7 @@
           <a:p>
             <a:fld id="{78C97017-6FC3-485B-9764-EAC9E56C1D49}" type="datetimeFigureOut">
               <a:rPr lang="en-US" smtClean="0"/>
-              <a:t>6/27/2018</a:t>
+              <a:t>11/10/2018</a:t>
             </a:fld>
             <a:endParaRPr lang="en-US"/>
           </a:p>
@@ -3450,7 +3450,7 @@
         </p:nvSpPr>
         <p:spPr>
           <a:xfrm>
-            <a:off x="1119865" y="1676400"/>
+            <a:off x="819374" y="1676400"/>
             <a:ext cx="7490735" cy="3059747"/>
           </a:xfrm>
           <a:prstGeom prst="roundRect">
@@ -3511,7 +3511,7 @@
         </p:nvSpPr>
         <p:spPr>
           <a:xfrm>
-            <a:off x="2877180" y="3463240"/>
+            <a:off x="2576689" y="3463240"/>
             <a:ext cx="1093635" cy="346760"/>
           </a:xfrm>
           <a:prstGeom prst="rect">
@@ -3570,7 +3570,7 @@
         </p:nvSpPr>
         <p:spPr>
           <a:xfrm rot="16200000">
-            <a:off x="1661548" y="3097750"/>
+            <a:off x="1361057" y="3097750"/>
             <a:ext cx="1093635" cy="346760"/>
           </a:xfrm>
           <a:prstGeom prst="rect">
@@ -3631,7 +3631,7 @@
         </p:nvCxnSpPr>
         <p:spPr>
           <a:xfrm rot="5400000" flipH="1" flipV="1">
-            <a:off x="4155901" y="1308943"/>
+            <a:off x="3855410" y="1308943"/>
             <a:ext cx="613122" cy="4459404"/>
           </a:xfrm>
           <a:prstGeom prst="bentConnector3">
@@ -3672,7 +3672,7 @@
         </p:nvSpPr>
         <p:spPr>
           <a:xfrm rot="16200000">
-            <a:off x="956202" y="2861202"/>
+            <a:off x="655711" y="2861202"/>
             <a:ext cx="1093635" cy="346760"/>
           </a:xfrm>
           <a:prstGeom prst="rect">
@@ -3742,7 +3742,7 @@
         </p:nvSpPr>
         <p:spPr>
           <a:xfrm rot="16200000">
-            <a:off x="1626910" y="2952291"/>
+            <a:off x="1326419" y="2952291"/>
             <a:ext cx="270504" cy="175523"/>
           </a:xfrm>
           <a:prstGeom prst="triangle">
@@ -3792,7 +3792,7 @@
         </p:nvCxnSpPr>
         <p:spPr>
           <a:xfrm>
-            <a:off x="2609828" y="3636620"/>
+            <a:off x="2309337" y="3636620"/>
             <a:ext cx="267352" cy="0"/>
           </a:xfrm>
           <a:prstGeom prst="straightConnector1">
@@ -3830,7 +3830,7 @@
         </p:nvCxnSpPr>
         <p:spPr>
           <a:xfrm>
-            <a:off x="910091" y="3040053"/>
+            <a:off x="609600" y="3040053"/>
             <a:ext cx="419548" cy="2860"/>
           </a:xfrm>
           <a:prstGeom prst="bentConnector3">
@@ -3875,7 +3875,7 @@
         </p:nvCxnSpPr>
         <p:spPr>
           <a:xfrm flipV="1">
-            <a:off x="1849924" y="3040052"/>
+            <a:off x="1549433" y="3040052"/>
             <a:ext cx="216105" cy="1"/>
           </a:xfrm>
           <a:prstGeom prst="line">
@@ -3914,7 +3914,7 @@
         </p:nvSpPr>
         <p:spPr>
           <a:xfrm>
-            <a:off x="2373780" y="3549930"/>
+            <a:off x="2073289" y="3549930"/>
             <a:ext cx="236048" cy="173380"/>
           </a:xfrm>
           <a:prstGeom prst="flowChartDecision">
@@ -3959,7 +3959,7 @@
         </p:nvSpPr>
         <p:spPr>
           <a:xfrm>
-            <a:off x="2786406" y="2834911"/>
+            <a:off x="2485915" y="2834911"/>
             <a:ext cx="1447688" cy="346760"/>
           </a:xfrm>
           <a:prstGeom prst="rect">
@@ -3997,7 +3997,7 @@
                   <a:srgbClr val="7030A0"/>
                 </a:solidFill>
               </a:rPr>
-              <a:t>VersionedAddressBook</a:t>
+              <a:t>VersionedTutorHelper</a:t>
             </a:r>
             <a:endParaRPr lang="en-SG" sz="1050" dirty="0">
               <a:solidFill>
@@ -4018,7 +4018,7 @@
         </p:nvCxnSpPr>
         <p:spPr>
           <a:xfrm>
-            <a:off x="2624360" y="3003033"/>
+            <a:off x="2323869" y="3003033"/>
             <a:ext cx="162046" cy="5258"/>
           </a:xfrm>
           <a:prstGeom prst="straightConnector1">
@@ -4056,7 +4056,7 @@
         </p:nvSpPr>
         <p:spPr>
           <a:xfrm>
-            <a:off x="2388312" y="2916343"/>
+            <a:off x="2087821" y="2916343"/>
             <a:ext cx="236048" cy="173380"/>
           </a:xfrm>
           <a:prstGeom prst="flowChartDecision">
@@ -4101,7 +4101,7 @@
         </p:nvSpPr>
         <p:spPr>
           <a:xfrm>
-            <a:off x="4762209" y="2863434"/>
+            <a:off x="4461718" y="2863434"/>
             <a:ext cx="1156969" cy="346760"/>
           </a:xfrm>
           <a:prstGeom prst="rect">
@@ -4134,14 +4134,14 @@
           <a:p>
             <a:pPr algn="ctr"/>
             <a:r>
-              <a:rPr lang="en-US" sz="1050" dirty="0" err="1">
+              <a:rPr lang="en-US" sz="1000" dirty="0" err="1" smtClean="0">
                 <a:solidFill>
                   <a:srgbClr val="7030A0"/>
                 </a:solidFill>
               </a:rPr>
-              <a:t>UniquePersonList</a:t>
-            </a:r>
-            <a:endParaRPr lang="en-SG" sz="1050" dirty="0">
+              <a:t>UniqueStudentList</a:t>
+            </a:r>
+            <a:endParaRPr lang="en-SG" sz="1000" dirty="0">
               <a:solidFill>
                 <a:srgbClr val="7030A0"/>
               </a:solidFill>
@@ -4157,7 +4157,7 @@
         </p:nvSpPr>
         <p:spPr>
           <a:xfrm>
-            <a:off x="4233246" y="2948201"/>
+            <a:off x="3932755" y="2948201"/>
             <a:ext cx="236048" cy="173380"/>
           </a:xfrm>
           <a:prstGeom prst="flowChartDecision">
@@ -4207,7 +4207,7 @@
         </p:nvCxnSpPr>
         <p:spPr>
           <a:xfrm>
-            <a:off x="4469294" y="3034891"/>
+            <a:off x="4168803" y="3034891"/>
             <a:ext cx="292915" cy="1923"/>
           </a:xfrm>
           <a:prstGeom prst="bentConnector3">
@@ -4245,7 +4245,7 @@
         </p:nvSpPr>
         <p:spPr>
           <a:xfrm>
-            <a:off x="6313677" y="2858066"/>
+            <a:off x="6013186" y="2858066"/>
             <a:ext cx="708186" cy="346760"/>
           </a:xfrm>
           <a:prstGeom prst="rect">
@@ -4278,12 +4278,12 @@
           <a:p>
             <a:pPr algn="ctr"/>
             <a:r>
-              <a:rPr lang="en-US" sz="1050" dirty="0">
+              <a:rPr lang="en-US" sz="1050" dirty="0" smtClean="0">
                 <a:solidFill>
                   <a:srgbClr val="7030A0"/>
                 </a:solidFill>
               </a:rPr>
-              <a:t>Person</a:t>
+              <a:t>Student</a:t>
             </a:r>
             <a:endParaRPr lang="en-SG" sz="1050" dirty="0">
               <a:solidFill>
@@ -4301,7 +4301,7 @@
         </p:nvSpPr>
         <p:spPr>
           <a:xfrm>
-            <a:off x="5918460" y="2941065"/>
+            <a:off x="5617969" y="2941065"/>
             <a:ext cx="236048" cy="173380"/>
           </a:xfrm>
           <a:prstGeom prst="flowChartDecision">
@@ -4350,7 +4350,7 @@
         </p:nvCxnSpPr>
         <p:spPr>
           <a:xfrm>
-            <a:off x="6154508" y="3027755"/>
+            <a:off x="5854017" y="3027755"/>
             <a:ext cx="159169" cy="3691"/>
           </a:xfrm>
           <a:prstGeom prst="bentConnector3">
@@ -4388,7 +4388,7 @@
         </p:nvSpPr>
         <p:spPr>
           <a:xfrm>
-            <a:off x="7712397" y="2564238"/>
+            <a:off x="7411906" y="2564238"/>
             <a:ext cx="708186" cy="285783"/>
           </a:xfrm>
           <a:prstGeom prst="rect">
@@ -4444,7 +4444,7 @@
         </p:nvSpPr>
         <p:spPr>
           <a:xfrm>
-            <a:off x="7041947" y="2948201"/>
+            <a:off x="6741456" y="2948201"/>
             <a:ext cx="236048" cy="173380"/>
           </a:xfrm>
           <a:prstGeom prst="flowChartDecision">
@@ -4493,7 +4493,7 @@
         </p:nvCxnSpPr>
         <p:spPr>
           <a:xfrm flipV="1">
-            <a:off x="7277995" y="2706821"/>
+            <a:off x="6977504" y="2706821"/>
             <a:ext cx="434402" cy="327761"/>
           </a:xfrm>
           <a:prstGeom prst="bentConnector3">
@@ -4531,7 +4531,7 @@
         </p:nvSpPr>
         <p:spPr>
           <a:xfrm>
-            <a:off x="7712397" y="2887216"/>
+            <a:off x="7411906" y="2887216"/>
             <a:ext cx="708186" cy="285783"/>
           </a:xfrm>
           <a:prstGeom prst="rect">
@@ -4590,7 +4590,7 @@
         </p:nvCxnSpPr>
         <p:spPr>
           <a:xfrm flipV="1">
-            <a:off x="7277995" y="3030108"/>
+            <a:off x="6977504" y="3030108"/>
             <a:ext cx="434402" cy="4783"/>
           </a:xfrm>
           <a:prstGeom prst="bentConnector3">
@@ -4628,7 +4628,7 @@
         </p:nvSpPr>
         <p:spPr>
           <a:xfrm>
-            <a:off x="7712397" y="3210194"/>
+            <a:off x="7411906" y="3210194"/>
             <a:ext cx="708186" cy="285783"/>
           </a:xfrm>
           <a:prstGeom prst="rect">
@@ -4687,7 +4687,7 @@
         </p:nvCxnSpPr>
         <p:spPr>
           <a:xfrm>
-            <a:off x="7277995" y="3034891"/>
+            <a:off x="6977504" y="3034891"/>
             <a:ext cx="434402" cy="318195"/>
           </a:xfrm>
           <a:prstGeom prst="bentConnector3">
@@ -4725,7 +4725,7 @@
         </p:nvSpPr>
         <p:spPr>
           <a:xfrm>
-            <a:off x="7712397" y="3533171"/>
+            <a:off x="7411906" y="3533171"/>
             <a:ext cx="708186" cy="285783"/>
           </a:xfrm>
           <a:prstGeom prst="rect">
@@ -4784,7 +4784,7 @@
         </p:nvCxnSpPr>
         <p:spPr>
           <a:xfrm>
-            <a:off x="7277995" y="3034891"/>
+            <a:off x="6977504" y="3034891"/>
             <a:ext cx="434402" cy="641172"/>
           </a:xfrm>
           <a:prstGeom prst="bentConnector3">
@@ -4822,7 +4822,7 @@
         </p:nvSpPr>
         <p:spPr>
           <a:xfrm rot="16200000">
-            <a:off x="6362886" y="3586305"/>
+            <a:off x="6062395" y="3586305"/>
             <a:ext cx="881018" cy="261610"/>
           </a:xfrm>
           <a:prstGeom prst="rect">
@@ -4861,7 +4861,7 @@
         </p:nvSpPr>
         <p:spPr>
           <a:xfrm>
-            <a:off x="2057401" y="4239491"/>
+            <a:off x="1756910" y="4239491"/>
             <a:ext cx="1066800" cy="346760"/>
           </a:xfrm>
           <a:prstGeom prst="rect">
@@ -4943,7 +4943,7 @@
         </p:nvCxnSpPr>
         <p:spPr>
           <a:xfrm rot="16200000" flipH="1">
-            <a:off x="1364475" y="3719944"/>
+            <a:off x="1063984" y="3719944"/>
             <a:ext cx="831471" cy="554381"/>
           </a:xfrm>
           <a:prstGeom prst="bentConnector2">
@@ -4982,7 +4982,7 @@
         </p:nvSpPr>
         <p:spPr>
           <a:xfrm>
-            <a:off x="4324972" y="3058864"/>
+            <a:off x="4024481" y="3058864"/>
             <a:ext cx="189257" cy="178683"/>
           </a:xfrm>
           <a:prstGeom prst="rect">
@@ -5021,7 +5021,7 @@
         </p:nvSpPr>
         <p:spPr>
           <a:xfrm>
-            <a:off x="6135256" y="3097917"/>
+            <a:off x="5834765" y="3097917"/>
             <a:ext cx="189257" cy="178683"/>
           </a:xfrm>
           <a:prstGeom prst="rect">
@@ -5060,7 +5060,7 @@
         </p:nvSpPr>
         <p:spPr>
           <a:xfrm>
-            <a:off x="2560167" y="2753818"/>
+            <a:off x="2259676" y="2753818"/>
             <a:ext cx="78378" cy="193767"/>
           </a:xfrm>
           <a:prstGeom prst="rect">
@@ -5099,7 +5099,7 @@
         </p:nvSpPr>
         <p:spPr>
           <a:xfrm>
-            <a:off x="2707070" y="3667737"/>
+            <a:off x="2406579" y="3667737"/>
             <a:ext cx="189257" cy="178683"/>
           </a:xfrm>
           <a:prstGeom prst="rect">
@@ -5138,7 +5138,7 @@
         </p:nvSpPr>
         <p:spPr>
           <a:xfrm>
-            <a:off x="6449896" y="3204826"/>
+            <a:off x="6149405" y="3204826"/>
             <a:ext cx="189257" cy="178683"/>
           </a:xfrm>
           <a:prstGeom prst="rect">
@@ -5174,7 +5174,7 @@
           <p:cNvPr id="52" name="Rectangle 8">
             <a:extLst>
               <a:ext uri="{FF2B5EF4-FFF2-40B4-BE49-F238E27FC236}">
-                <a16:creationId xmlns:a16="http://schemas.microsoft.com/office/drawing/2014/main" id="{ABDCDBD2-131A-4B66-A2F2-43BBEE82C773}"/>
+                <a16:creationId xmlns:a16="http://schemas.microsoft.com/office/drawing/2014/main" xmlns="" id="{ABDCDBD2-131A-4B66-A2F2-43BBEE82C773}"/>
               </a:ext>
             </a:extLst>
           </p:cNvPr>
@@ -5183,7 +5183,7 @@
         </p:nvSpPr>
         <p:spPr>
           <a:xfrm>
-            <a:off x="4755872" y="2206861"/>
+            <a:off x="4455381" y="2206861"/>
             <a:ext cx="1156969" cy="285783"/>
           </a:xfrm>
           <a:prstGeom prst="rect">
@@ -5236,7 +5236,7 @@
           <p:cNvPr id="53" name="Elbow Connector 78">
             <a:extLst>
               <a:ext uri="{FF2B5EF4-FFF2-40B4-BE49-F238E27FC236}">
-                <a16:creationId xmlns:a16="http://schemas.microsoft.com/office/drawing/2014/main" id="{B97967F8-618A-448B-81FD-CDFD4AF0EC64}"/>
+                <a16:creationId xmlns:a16="http://schemas.microsoft.com/office/drawing/2014/main" xmlns="" id="{B97967F8-618A-448B-81FD-CDFD4AF0EC64}"/>
               </a:ext>
             </a:extLst>
           </p:cNvPr>
@@ -5249,7 +5249,7 @@
         </p:nvCxnSpPr>
         <p:spPr>
           <a:xfrm rot="5400000" flipH="1" flipV="1">
-            <a:off x="4233181" y="2536174"/>
+            <a:off x="3932690" y="2536174"/>
             <a:ext cx="709111" cy="336271"/>
           </a:xfrm>
           <a:prstGeom prst="bentConnector2">
@@ -5284,7 +5284,7 @@
           <p:cNvPr id="50" name="TextBox 49">
             <a:extLst>
               <a:ext uri="{FF2B5EF4-FFF2-40B4-BE49-F238E27FC236}">
-                <a16:creationId xmlns:a16="http://schemas.microsoft.com/office/drawing/2014/main" id="{B3FA9D57-880F-49C4-AD0B-A64E30D6F403}"/>
+                <a16:creationId xmlns:a16="http://schemas.microsoft.com/office/drawing/2014/main" xmlns="" id="{B3FA9D57-880F-49C4-AD0B-A64E30D6F403}"/>
               </a:ext>
             </a:extLst>
           </p:cNvPr>
@@ -5293,7 +5293,7 @@
         </p:nvSpPr>
         <p:spPr>
           <a:xfrm>
-            <a:off x="6714344" y="2430721"/>
+            <a:off x="6413853" y="2430721"/>
             <a:ext cx="189257" cy="178683"/>
           </a:xfrm>
           <a:prstGeom prst="rect">
@@ -5329,7 +5329,7 @@
           <p:cNvPr id="55" name="Flowchart: Decision 96">
             <a:extLst>
               <a:ext uri="{FF2B5EF4-FFF2-40B4-BE49-F238E27FC236}">
-                <a16:creationId xmlns:a16="http://schemas.microsoft.com/office/drawing/2014/main" id="{B9F96195-942D-4692-91B7-CF34229E7461}"/>
+                <a16:creationId xmlns:a16="http://schemas.microsoft.com/office/drawing/2014/main" xmlns="" id="{B9F96195-942D-4692-91B7-CF34229E7461}"/>
               </a:ext>
             </a:extLst>
           </p:cNvPr>
@@ -5338,7 +5338,7 @@
         </p:nvSpPr>
         <p:spPr>
           <a:xfrm rot="16200000">
-            <a:off x="6553482" y="2664721"/>
+            <a:off x="6252991" y="2664721"/>
             <a:ext cx="236048" cy="173380"/>
           </a:xfrm>
           <a:prstGeom prst="flowChartDecision">
@@ -5380,7 +5380,7 @@
           <p:cNvPr id="59" name="Elbow Connector 63">
             <a:extLst>
               <a:ext uri="{FF2B5EF4-FFF2-40B4-BE49-F238E27FC236}">
-                <a16:creationId xmlns:a16="http://schemas.microsoft.com/office/drawing/2014/main" id="{E2D6A56C-A223-4236-A1F0-7EFEBA2FC940}"/>
+                <a16:creationId xmlns:a16="http://schemas.microsoft.com/office/drawing/2014/main" xmlns="" id="{E2D6A56C-A223-4236-A1F0-7EFEBA2FC940}"/>
               </a:ext>
             </a:extLst>
           </p:cNvPr>
@@ -5392,7 +5392,7 @@
         </p:nvCxnSpPr>
         <p:spPr>
           <a:xfrm flipV="1">
-            <a:off x="5884280" y="2233006"/>
+            <a:off x="5583789" y="2233006"/>
             <a:ext cx="432916" cy="111294"/>
           </a:xfrm>
           <a:prstGeom prst="bentConnector3">
@@ -5427,7 +5427,7 @@
           <p:cNvPr id="67" name="Rectangle 8">
             <a:extLst>
               <a:ext uri="{FF2B5EF4-FFF2-40B4-BE49-F238E27FC236}">
-                <a16:creationId xmlns:a16="http://schemas.microsoft.com/office/drawing/2014/main" id="{36D68104-33BB-4C8F-B764-F3F0B25E592B}"/>
+                <a16:creationId xmlns:a16="http://schemas.microsoft.com/office/drawing/2014/main" xmlns="" id="{36D68104-33BB-4C8F-B764-F3F0B25E592B}"/>
               </a:ext>
             </a:extLst>
           </p:cNvPr>
@@ -5436,7 +5436,7 @@
         </p:nvSpPr>
         <p:spPr>
           <a:xfrm>
-            <a:off x="6317196" y="2059626"/>
+            <a:off x="6016705" y="2059626"/>
             <a:ext cx="708186" cy="346760"/>
           </a:xfrm>
           <a:prstGeom prst="rect">
@@ -5489,7 +5489,7 @@
           <p:cNvPr id="68" name="TextBox 67">
             <a:extLst>
               <a:ext uri="{FF2B5EF4-FFF2-40B4-BE49-F238E27FC236}">
-                <a16:creationId xmlns:a16="http://schemas.microsoft.com/office/drawing/2014/main" id="{18A2ABF0-4DA8-43EE-BACE-A737C4E4CFEC}"/>
+                <a16:creationId xmlns:a16="http://schemas.microsoft.com/office/drawing/2014/main" xmlns="" id="{18A2ABF0-4DA8-43EE-BACE-A737C4E4CFEC}"/>
               </a:ext>
             </a:extLst>
           </p:cNvPr>
@@ -5498,7 +5498,7 @@
         </p:nvSpPr>
         <p:spPr>
           <a:xfrm>
-            <a:off x="6135256" y="2278014"/>
+            <a:off x="5834765" y="2278014"/>
             <a:ext cx="189257" cy="178683"/>
           </a:xfrm>
           <a:prstGeom prst="rect">
@@ -5534,7 +5534,7 @@
           <p:cNvPr id="69" name="TextBox 68">
             <a:extLst>
               <a:ext uri="{FF2B5EF4-FFF2-40B4-BE49-F238E27FC236}">
-                <a16:creationId xmlns:a16="http://schemas.microsoft.com/office/drawing/2014/main" id="{8CF9406A-39C7-4163-8880-BB65541FC08E}"/>
+                <a16:creationId xmlns:a16="http://schemas.microsoft.com/office/drawing/2014/main" xmlns="" id="{8CF9406A-39C7-4163-8880-BB65541FC08E}"/>
               </a:ext>
             </a:extLst>
           </p:cNvPr>
@@ -5543,7 +5543,7 @@
         </p:nvSpPr>
         <p:spPr>
           <a:xfrm>
-            <a:off x="4367100" y="2172972"/>
+            <a:off x="4066609" y="2172972"/>
             <a:ext cx="189257" cy="178683"/>
           </a:xfrm>
           <a:prstGeom prst="rect">
@@ -5579,7 +5579,7 @@
           <p:cNvPr id="71" name="Flowchart: Decision 96">
             <a:extLst>
               <a:ext uri="{FF2B5EF4-FFF2-40B4-BE49-F238E27FC236}">
-                <a16:creationId xmlns:a16="http://schemas.microsoft.com/office/drawing/2014/main" id="{233007D4-EEA2-4CA6-ACFE-1517B654224E}"/>
+                <a16:creationId xmlns:a16="http://schemas.microsoft.com/office/drawing/2014/main" xmlns="" id="{233007D4-EEA2-4CA6-ACFE-1517B654224E}"/>
               </a:ext>
             </a:extLst>
           </p:cNvPr>
@@ -5588,7 +5588,7 @@
         </p:nvSpPr>
         <p:spPr>
           <a:xfrm>
-            <a:off x="5911329" y="2262081"/>
+            <a:off x="5610838" y="2262081"/>
             <a:ext cx="236048" cy="173380"/>
           </a:xfrm>
           <a:prstGeom prst="flowChartDecision">
@@ -5632,7 +5632,7 @@
           <p:cNvPr id="72" name="Elbow Connector 78">
             <a:extLst>
               <a:ext uri="{FF2B5EF4-FFF2-40B4-BE49-F238E27FC236}">
-                <a16:creationId xmlns:a16="http://schemas.microsoft.com/office/drawing/2014/main" id="{D5DFB8C5-B0B0-46C1-967B-4449112ABD6F}"/>
+                <a16:creationId xmlns:a16="http://schemas.microsoft.com/office/drawing/2014/main" xmlns="" id="{D5DFB8C5-B0B0-46C1-967B-4449112ABD6F}"/>
               </a:ext>
             </a:extLst>
           </p:cNvPr>
@@ -5645,7 +5645,7 @@
         </p:nvCxnSpPr>
         <p:spPr>
           <a:xfrm rot="16200000" flipV="1">
-            <a:off x="6557898" y="2519778"/>
+            <a:off x="6257407" y="2519778"/>
             <a:ext cx="227001" cy="217"/>
           </a:xfrm>
           <a:prstGeom prst="bentConnector3">
@@ -5687,7 +5687,7 @@
         </p:nvCxnSpPr>
         <p:spPr>
           <a:xfrm rot="5400000">
-            <a:off x="3470636" y="2687353"/>
+            <a:off x="3170145" y="2687353"/>
             <a:ext cx="293825" cy="5938"/>
           </a:xfrm>
           <a:prstGeom prst="bentConnector3">
@@ -5728,7 +5728,7 @@
         </p:nvSpPr>
         <p:spPr>
           <a:xfrm rot="10800000" flipV="1">
-            <a:off x="3479324" y="2386348"/>
+            <a:off x="3178833" y="2386348"/>
             <a:ext cx="282387" cy="157062"/>
           </a:xfrm>
           <a:prstGeom prst="triangle">
@@ -5776,7 +5776,7 @@
         </p:nvSpPr>
         <p:spPr>
           <a:xfrm>
-            <a:off x="1177947" y="1998144"/>
+            <a:off x="877456" y="1998144"/>
             <a:ext cx="1443661" cy="364396"/>
           </a:xfrm>
           <a:prstGeom prst="rect">
@@ -5824,12 +5824,12 @@
               </a:rPr>
             </a:br>
             <a:r>
-              <a:rPr lang="en-US" sz="1050" dirty="0" err="1">
+              <a:rPr lang="en-US" sz="1050" dirty="0" err="1" smtClean="0">
                 <a:solidFill>
                   <a:srgbClr val="7030A0"/>
                 </a:solidFill>
               </a:rPr>
-              <a:t>ReadOnlyAddressBook</a:t>
+              <a:t>ReadOnlyTutorHelper</a:t>
             </a:r>
             <a:endParaRPr lang="en-SG" sz="1050" dirty="0">
               <a:solidFill>
@@ -5847,7 +5847,7 @@
         </p:nvSpPr>
         <p:spPr>
           <a:xfrm>
-            <a:off x="3087206" y="1998144"/>
+            <a:off x="2786715" y="1998144"/>
             <a:ext cx="1060683" cy="364396"/>
           </a:xfrm>
           <a:prstGeom prst="rect">
@@ -5880,12 +5880,12 @@
           <a:p>
             <a:pPr algn="ctr"/>
             <a:r>
-              <a:rPr lang="en-US" sz="1050" dirty="0" err="1">
+              <a:rPr lang="en-US" sz="1050" dirty="0" err="1" smtClean="0">
                 <a:solidFill>
                   <a:srgbClr val="7030A0"/>
                 </a:solidFill>
               </a:rPr>
-              <a:t>AddressBook</a:t>
+              <a:t>TutorHelper</a:t>
             </a:r>
             <a:endParaRPr lang="en-SG" sz="1050" dirty="0">
               <a:solidFill>
@@ -5903,7 +5903,7 @@
         </p:nvSpPr>
         <p:spPr>
           <a:xfrm rot="16200000">
-            <a:off x="2586098" y="2068952"/>
+            <a:off x="2285607" y="2068952"/>
             <a:ext cx="271014" cy="187417"/>
           </a:xfrm>
           <a:prstGeom prst="triangle">
@@ -5958,7 +5958,7 @@
         </p:nvCxnSpPr>
         <p:spPr>
           <a:xfrm>
-            <a:off x="2815314" y="2177521"/>
+            <a:off x="2514823" y="2177521"/>
             <a:ext cx="271892" cy="2821"/>
           </a:xfrm>
           <a:prstGeom prst="bentConnector3">
@@ -5973,6 +5973,304 @@
             <a:prstDash val="sysDot"/>
             <a:headEnd type="none" w="med" len="med"/>
             <a:tailEnd type="none" w="med" len="med"/>
+          </a:ln>
+          <a:effectLst/>
+        </p:spPr>
+        <p:style>
+          <a:lnRef idx="1">
+            <a:schemeClr val="accent2"/>
+          </a:lnRef>
+          <a:fillRef idx="2">
+            <a:schemeClr val="accent2"/>
+          </a:fillRef>
+          <a:effectRef idx="1">
+            <a:schemeClr val="accent2"/>
+          </a:effectRef>
+          <a:fontRef idx="minor">
+            <a:schemeClr val="dk1"/>
+          </a:fontRef>
+        </p:style>
+      </p:cxnSp>
+      <p:sp>
+        <p:nvSpPr>
+          <p:cNvPr id="56" name="Rectangle 8"/>
+          <p:cNvSpPr/>
+          <p:nvPr/>
+        </p:nvSpPr>
+        <p:spPr>
+          <a:xfrm>
+            <a:off x="7411906" y="3856148"/>
+            <a:ext cx="708186" cy="285783"/>
+          </a:xfrm>
+          <a:prstGeom prst="rect">
+            <a:avLst/>
+          </a:prstGeom>
+          <a:ln w="19050">
+            <a:solidFill>
+              <a:srgbClr val="7030A0"/>
+            </a:solidFill>
+          </a:ln>
+          <a:effectLst/>
+        </p:spPr>
+        <p:style>
+          <a:lnRef idx="1">
+            <a:schemeClr val="accent4"/>
+          </a:lnRef>
+          <a:fillRef idx="2">
+            <a:schemeClr val="accent4"/>
+          </a:fillRef>
+          <a:effectRef idx="1">
+            <a:schemeClr val="accent4"/>
+          </a:effectRef>
+          <a:fontRef idx="minor">
+            <a:schemeClr val="dk1"/>
+          </a:fontRef>
+        </p:style>
+        <p:txBody>
+          <a:bodyPr rtlCol="0" anchor="ctr"/>
+          <a:lstStyle/>
+          <a:p>
+            <a:pPr algn="ctr"/>
+            <a:r>
+              <a:rPr lang="en-US" sz="950" dirty="0" smtClean="0">
+                <a:solidFill>
+                  <a:srgbClr val="7030A0"/>
+                </a:solidFill>
+              </a:rPr>
+              <a:t>Tuition Timing</a:t>
+            </a:r>
+            <a:endParaRPr lang="en-SG" sz="950" dirty="0">
+              <a:solidFill>
+                <a:srgbClr val="7030A0"/>
+              </a:solidFill>
+            </a:endParaRPr>
+          </a:p>
+        </p:txBody>
+      </p:sp>
+      <p:cxnSp>
+        <p:nvCxnSpPr>
+          <p:cNvPr id="57" name="Elbow Connector 56"/>
+          <p:cNvCxnSpPr>
+            <a:stCxn id="78" idx="3"/>
+            <a:endCxn id="56" idx="1"/>
+          </p:cNvCxnSpPr>
+          <p:nvPr/>
+        </p:nvCxnSpPr>
+        <p:spPr>
+          <a:xfrm>
+            <a:off x="6977504" y="3034891"/>
+            <a:ext cx="434402" cy="964149"/>
+          </a:xfrm>
+          <a:prstGeom prst="bentConnector3">
+            <a:avLst>
+              <a:gd name="adj1" fmla="val 50000"/>
+            </a:avLst>
+          </a:prstGeom>
+          <a:ln w="19050">
+            <a:solidFill>
+              <a:srgbClr val="7030A0"/>
+            </a:solidFill>
+            <a:headEnd type="none" w="med" len="med"/>
+            <a:tailEnd type="arrow" w="med" len="med"/>
+          </a:ln>
+          <a:effectLst/>
+        </p:spPr>
+        <p:style>
+          <a:lnRef idx="1">
+            <a:schemeClr val="accent2"/>
+          </a:lnRef>
+          <a:fillRef idx="2">
+            <a:schemeClr val="accent2"/>
+          </a:fillRef>
+          <a:effectRef idx="1">
+            <a:schemeClr val="accent2"/>
+          </a:effectRef>
+          <a:fontRef idx="minor">
+            <a:schemeClr val="dk1"/>
+          </a:fontRef>
+        </p:style>
+      </p:cxnSp>
+      <p:sp>
+        <p:nvSpPr>
+          <p:cNvPr id="60" name="Rectangle 8"/>
+          <p:cNvSpPr/>
+          <p:nvPr/>
+        </p:nvSpPr>
+        <p:spPr>
+          <a:xfrm>
+            <a:off x="7411414" y="4179125"/>
+            <a:ext cx="708186" cy="285783"/>
+          </a:xfrm>
+          <a:prstGeom prst="rect">
+            <a:avLst/>
+          </a:prstGeom>
+          <a:ln w="19050">
+            <a:solidFill>
+              <a:srgbClr val="7030A0"/>
+            </a:solidFill>
+          </a:ln>
+          <a:effectLst/>
+        </p:spPr>
+        <p:style>
+          <a:lnRef idx="1">
+            <a:schemeClr val="accent4"/>
+          </a:lnRef>
+          <a:fillRef idx="2">
+            <a:schemeClr val="accent4"/>
+          </a:fillRef>
+          <a:effectRef idx="1">
+            <a:schemeClr val="accent4"/>
+          </a:effectRef>
+          <a:fontRef idx="minor">
+            <a:schemeClr val="dk1"/>
+          </a:fontRef>
+        </p:style>
+        <p:txBody>
+          <a:bodyPr rtlCol="0" anchor="ctr"/>
+          <a:lstStyle/>
+          <a:p>
+            <a:pPr algn="ctr"/>
+            <a:r>
+              <a:rPr lang="en-SG" sz="1050" dirty="0" smtClean="0">
+                <a:solidFill>
+                  <a:srgbClr val="7030A0"/>
+                </a:solidFill>
+              </a:rPr>
+              <a:t>Payment</a:t>
+            </a:r>
+            <a:endParaRPr lang="en-SG" sz="1050" dirty="0">
+              <a:solidFill>
+                <a:srgbClr val="7030A0"/>
+              </a:solidFill>
+            </a:endParaRPr>
+          </a:p>
+        </p:txBody>
+      </p:sp>
+      <p:cxnSp>
+        <p:nvCxnSpPr>
+          <p:cNvPr id="73" name="Elbow Connector 72"/>
+          <p:cNvCxnSpPr>
+            <a:stCxn id="78" idx="3"/>
+            <a:endCxn id="60" idx="1"/>
+          </p:cNvCxnSpPr>
+          <p:nvPr/>
+        </p:nvCxnSpPr>
+        <p:spPr>
+          <a:xfrm>
+            <a:off x="6977504" y="3034891"/>
+            <a:ext cx="433910" cy="1287126"/>
+          </a:xfrm>
+          <a:prstGeom prst="bentConnector3">
+            <a:avLst>
+              <a:gd name="adj1" fmla="val 50000"/>
+            </a:avLst>
+          </a:prstGeom>
+          <a:ln w="19050">
+            <a:solidFill>
+              <a:srgbClr val="7030A0"/>
+            </a:solidFill>
+            <a:headEnd type="none" w="med" len="med"/>
+            <a:tailEnd type="arrow" w="med" len="med"/>
+          </a:ln>
+          <a:effectLst/>
+        </p:spPr>
+        <p:style>
+          <a:lnRef idx="1">
+            <a:schemeClr val="accent2"/>
+          </a:lnRef>
+          <a:fillRef idx="2">
+            <a:schemeClr val="accent2"/>
+          </a:fillRef>
+          <a:effectRef idx="1">
+            <a:schemeClr val="accent2"/>
+          </a:effectRef>
+          <a:fontRef idx="minor">
+            <a:schemeClr val="dk1"/>
+          </a:fontRef>
+        </p:style>
+      </p:cxnSp>
+      <p:sp>
+        <p:nvSpPr>
+          <p:cNvPr id="74" name="Rectangle 8"/>
+          <p:cNvSpPr/>
+          <p:nvPr/>
+        </p:nvSpPr>
+        <p:spPr>
+          <a:xfrm>
+            <a:off x="7408211" y="2241261"/>
+            <a:ext cx="708186" cy="285783"/>
+          </a:xfrm>
+          <a:prstGeom prst="rect">
+            <a:avLst/>
+          </a:prstGeom>
+          <a:ln w="19050">
+            <a:solidFill>
+              <a:srgbClr val="7030A0"/>
+            </a:solidFill>
+          </a:ln>
+          <a:effectLst/>
+        </p:spPr>
+        <p:style>
+          <a:lnRef idx="1">
+            <a:schemeClr val="accent4"/>
+          </a:lnRef>
+          <a:fillRef idx="2">
+            <a:schemeClr val="accent4"/>
+          </a:fillRef>
+          <a:effectRef idx="1">
+            <a:schemeClr val="accent4"/>
+          </a:effectRef>
+          <a:fontRef idx="minor">
+            <a:schemeClr val="dk1"/>
+          </a:fontRef>
+        </p:style>
+        <p:txBody>
+          <a:bodyPr rtlCol="0" anchor="ctr"/>
+          <a:lstStyle/>
+          <a:p>
+            <a:pPr algn="ctr"/>
+            <a:r>
+              <a:rPr lang="en-US" sz="1050" dirty="0" smtClean="0">
+                <a:solidFill>
+                  <a:srgbClr val="7030A0"/>
+                </a:solidFill>
+              </a:rPr>
+              <a:t>Subject</a:t>
+            </a:r>
+            <a:endParaRPr lang="en-SG" sz="1050" dirty="0">
+              <a:solidFill>
+                <a:srgbClr val="7030A0"/>
+              </a:solidFill>
+            </a:endParaRPr>
+          </a:p>
+        </p:txBody>
+      </p:sp>
+      <p:cxnSp>
+        <p:nvCxnSpPr>
+          <p:cNvPr id="77" name="Elbow Connector 76"/>
+          <p:cNvCxnSpPr>
+            <a:cxnSpLocks/>
+            <a:stCxn id="78" idx="3"/>
+            <a:endCxn id="74" idx="1"/>
+          </p:cNvCxnSpPr>
+          <p:nvPr/>
+        </p:nvCxnSpPr>
+        <p:spPr>
+          <a:xfrm flipV="1">
+            <a:off x="6977504" y="2384153"/>
+            <a:ext cx="430707" cy="650738"/>
+          </a:xfrm>
+          <a:prstGeom prst="bentConnector3">
+            <a:avLst>
+              <a:gd name="adj1" fmla="val 50000"/>
+            </a:avLst>
+          </a:prstGeom>
+          <a:ln w="19050">
+            <a:solidFill>
+              <a:srgbClr val="7030A0"/>
+            </a:solidFill>
+            <a:headEnd type="none" w="med" len="med"/>
+            <a:tailEnd type="arrow" w="med" len="med"/>
           </a:ln>
           <a:effectLst/>
         </p:spPr>

--- a/docs/diagrams/ModelComponentClassBetterOopDiagram.pptx
+++ b/docs/diagrams/ModelComponentClassBetterOopDiagram.pptx
@@ -208,7 +208,7 @@
           <a:p>
             <a:fld id="{F5CC4B3F-88C1-4FFA-B1B6-F41C21DC6924}" type="datetimeFigureOut">
               <a:rPr lang="en-US" smtClean="0"/>
-              <a:t>11/10/2018</a:t>
+              <a:t>6/27/2018</a:t>
             </a:fld>
             <a:endParaRPr lang="en-US"/>
           </a:p>
@@ -654,7 +654,7 @@
           <a:p>
             <a:fld id="{78C97017-6FC3-485B-9764-EAC9E56C1D49}" type="datetimeFigureOut">
               <a:rPr lang="en-US" smtClean="0"/>
-              <a:t>11/10/2018</a:t>
+              <a:t>6/27/2018</a:t>
             </a:fld>
             <a:endParaRPr lang="en-US"/>
           </a:p>
@@ -822,7 +822,7 @@
           <a:p>
             <a:fld id="{78C97017-6FC3-485B-9764-EAC9E56C1D49}" type="datetimeFigureOut">
               <a:rPr lang="en-US" smtClean="0"/>
-              <a:t>11/10/2018</a:t>
+              <a:t>6/27/2018</a:t>
             </a:fld>
             <a:endParaRPr lang="en-US"/>
           </a:p>
@@ -1000,7 +1000,7 @@
           <a:p>
             <a:fld id="{78C97017-6FC3-485B-9764-EAC9E56C1D49}" type="datetimeFigureOut">
               <a:rPr lang="en-US" smtClean="0"/>
-              <a:t>11/10/2018</a:t>
+              <a:t>6/27/2018</a:t>
             </a:fld>
             <a:endParaRPr lang="en-US"/>
           </a:p>
@@ -1168,7 +1168,7 @@
           <a:p>
             <a:fld id="{78C97017-6FC3-485B-9764-EAC9E56C1D49}" type="datetimeFigureOut">
               <a:rPr lang="en-US" smtClean="0"/>
-              <a:t>11/10/2018</a:t>
+              <a:t>6/27/2018</a:t>
             </a:fld>
             <a:endParaRPr lang="en-US"/>
           </a:p>
@@ -1413,7 +1413,7 @@
           <a:p>
             <a:fld id="{78C97017-6FC3-485B-9764-EAC9E56C1D49}" type="datetimeFigureOut">
               <a:rPr lang="en-US" smtClean="0"/>
-              <a:t>11/10/2018</a:t>
+              <a:t>6/27/2018</a:t>
             </a:fld>
             <a:endParaRPr lang="en-US"/>
           </a:p>
@@ -1698,7 +1698,7 @@
           <a:p>
             <a:fld id="{78C97017-6FC3-485B-9764-EAC9E56C1D49}" type="datetimeFigureOut">
               <a:rPr lang="en-US" smtClean="0"/>
-              <a:t>11/10/2018</a:t>
+              <a:t>6/27/2018</a:t>
             </a:fld>
             <a:endParaRPr lang="en-US"/>
           </a:p>
@@ -2117,7 +2117,7 @@
           <a:p>
             <a:fld id="{78C97017-6FC3-485B-9764-EAC9E56C1D49}" type="datetimeFigureOut">
               <a:rPr lang="en-US" smtClean="0"/>
-              <a:t>11/10/2018</a:t>
+              <a:t>6/27/2018</a:t>
             </a:fld>
             <a:endParaRPr lang="en-US"/>
           </a:p>
@@ -2234,7 +2234,7 @@
           <a:p>
             <a:fld id="{78C97017-6FC3-485B-9764-EAC9E56C1D49}" type="datetimeFigureOut">
               <a:rPr lang="en-US" smtClean="0"/>
-              <a:t>11/10/2018</a:t>
+              <a:t>6/27/2018</a:t>
             </a:fld>
             <a:endParaRPr lang="en-US"/>
           </a:p>
@@ -2329,7 +2329,7 @@
           <a:p>
             <a:fld id="{78C97017-6FC3-485B-9764-EAC9E56C1D49}" type="datetimeFigureOut">
               <a:rPr lang="en-US" smtClean="0"/>
-              <a:t>11/10/2018</a:t>
+              <a:t>6/27/2018</a:t>
             </a:fld>
             <a:endParaRPr lang="en-US"/>
           </a:p>
@@ -2604,7 +2604,7 @@
           <a:p>
             <a:fld id="{78C97017-6FC3-485B-9764-EAC9E56C1D49}" type="datetimeFigureOut">
               <a:rPr lang="en-US" smtClean="0"/>
-              <a:t>11/10/2018</a:t>
+              <a:t>6/27/2018</a:t>
             </a:fld>
             <a:endParaRPr lang="en-US"/>
           </a:p>
@@ -2856,7 +2856,7 @@
           <a:p>
             <a:fld id="{78C97017-6FC3-485B-9764-EAC9E56C1D49}" type="datetimeFigureOut">
               <a:rPr lang="en-US" smtClean="0"/>
-              <a:t>11/10/2018</a:t>
+              <a:t>6/27/2018</a:t>
             </a:fld>
             <a:endParaRPr lang="en-US"/>
           </a:p>
@@ -3067,7 +3067,7 @@
           <a:p>
             <a:fld id="{78C97017-6FC3-485B-9764-EAC9E56C1D49}" type="datetimeFigureOut">
               <a:rPr lang="en-US" smtClean="0"/>
-              <a:t>11/10/2018</a:t>
+              <a:t>6/27/2018</a:t>
             </a:fld>
             <a:endParaRPr lang="en-US"/>
           </a:p>
@@ -3450,7 +3450,7 @@
         </p:nvSpPr>
         <p:spPr>
           <a:xfrm>
-            <a:off x="819374" y="1676400"/>
+            <a:off x="1119865" y="1676400"/>
             <a:ext cx="7490735" cy="3059747"/>
           </a:xfrm>
           <a:prstGeom prst="roundRect">
@@ -3511,7 +3511,7 @@
         </p:nvSpPr>
         <p:spPr>
           <a:xfrm>
-            <a:off x="2576689" y="3463240"/>
+            <a:off x="2877180" y="3463240"/>
             <a:ext cx="1093635" cy="346760"/>
           </a:xfrm>
           <a:prstGeom prst="rect">
@@ -3570,7 +3570,7 @@
         </p:nvSpPr>
         <p:spPr>
           <a:xfrm rot="16200000">
-            <a:off x="1361057" y="3097750"/>
+            <a:off x="1661548" y="3097750"/>
             <a:ext cx="1093635" cy="346760"/>
           </a:xfrm>
           <a:prstGeom prst="rect">
@@ -3631,7 +3631,7 @@
         </p:nvCxnSpPr>
         <p:spPr>
           <a:xfrm rot="5400000" flipH="1" flipV="1">
-            <a:off x="3855410" y="1308943"/>
+            <a:off x="4155901" y="1308943"/>
             <a:ext cx="613122" cy="4459404"/>
           </a:xfrm>
           <a:prstGeom prst="bentConnector3">
@@ -3672,7 +3672,7 @@
         </p:nvSpPr>
         <p:spPr>
           <a:xfrm rot="16200000">
-            <a:off x="655711" y="2861202"/>
+            <a:off x="956202" y="2861202"/>
             <a:ext cx="1093635" cy="346760"/>
           </a:xfrm>
           <a:prstGeom prst="rect">
@@ -3742,7 +3742,7 @@
         </p:nvSpPr>
         <p:spPr>
           <a:xfrm rot="16200000">
-            <a:off x="1326419" y="2952291"/>
+            <a:off x="1626910" y="2952291"/>
             <a:ext cx="270504" cy="175523"/>
           </a:xfrm>
           <a:prstGeom prst="triangle">
@@ -3792,7 +3792,7 @@
         </p:nvCxnSpPr>
         <p:spPr>
           <a:xfrm>
-            <a:off x="2309337" y="3636620"/>
+            <a:off x="2609828" y="3636620"/>
             <a:ext cx="267352" cy="0"/>
           </a:xfrm>
           <a:prstGeom prst="straightConnector1">
@@ -3830,7 +3830,7 @@
         </p:nvCxnSpPr>
         <p:spPr>
           <a:xfrm>
-            <a:off x="609600" y="3040053"/>
+            <a:off x="910091" y="3040053"/>
             <a:ext cx="419548" cy="2860"/>
           </a:xfrm>
           <a:prstGeom prst="bentConnector3">
@@ -3875,7 +3875,7 @@
         </p:nvCxnSpPr>
         <p:spPr>
           <a:xfrm flipV="1">
-            <a:off x="1549433" y="3040052"/>
+            <a:off x="1849924" y="3040052"/>
             <a:ext cx="216105" cy="1"/>
           </a:xfrm>
           <a:prstGeom prst="line">
@@ -3914,7 +3914,7 @@
         </p:nvSpPr>
         <p:spPr>
           <a:xfrm>
-            <a:off x="2073289" y="3549930"/>
+            <a:off x="2373780" y="3549930"/>
             <a:ext cx="236048" cy="173380"/>
           </a:xfrm>
           <a:prstGeom prst="flowChartDecision">
@@ -3959,7 +3959,7 @@
         </p:nvSpPr>
         <p:spPr>
           <a:xfrm>
-            <a:off x="2485915" y="2834911"/>
+            <a:off x="2786406" y="2834911"/>
             <a:ext cx="1447688" cy="346760"/>
           </a:xfrm>
           <a:prstGeom prst="rect">
@@ -3997,7 +3997,7 @@
                   <a:srgbClr val="7030A0"/>
                 </a:solidFill>
               </a:rPr>
-              <a:t>VersionedTutorHelper</a:t>
+              <a:t>VersionedAddressBook</a:t>
             </a:r>
             <a:endParaRPr lang="en-SG" sz="1050" dirty="0">
               <a:solidFill>
@@ -4018,7 +4018,7 @@
         </p:nvCxnSpPr>
         <p:spPr>
           <a:xfrm>
-            <a:off x="2323869" y="3003033"/>
+            <a:off x="2624360" y="3003033"/>
             <a:ext cx="162046" cy="5258"/>
           </a:xfrm>
           <a:prstGeom prst="straightConnector1">
@@ -4056,7 +4056,7 @@
         </p:nvSpPr>
         <p:spPr>
           <a:xfrm>
-            <a:off x="2087821" y="2916343"/>
+            <a:off x="2388312" y="2916343"/>
             <a:ext cx="236048" cy="173380"/>
           </a:xfrm>
           <a:prstGeom prst="flowChartDecision">
@@ -4101,7 +4101,7 @@
         </p:nvSpPr>
         <p:spPr>
           <a:xfrm>
-            <a:off x="4461718" y="2863434"/>
+            <a:off x="4762209" y="2863434"/>
             <a:ext cx="1156969" cy="346760"/>
           </a:xfrm>
           <a:prstGeom prst="rect">
@@ -4134,14 +4134,14 @@
           <a:p>
             <a:pPr algn="ctr"/>
             <a:r>
-              <a:rPr lang="en-US" sz="1000" dirty="0" err="1" smtClean="0">
+              <a:rPr lang="en-US" sz="1050" dirty="0" err="1">
                 <a:solidFill>
                   <a:srgbClr val="7030A0"/>
                 </a:solidFill>
               </a:rPr>
-              <a:t>UniqueStudentList</a:t>
-            </a:r>
-            <a:endParaRPr lang="en-SG" sz="1000" dirty="0">
+              <a:t>UniquePersonList</a:t>
+            </a:r>
+            <a:endParaRPr lang="en-SG" sz="1050" dirty="0">
               <a:solidFill>
                 <a:srgbClr val="7030A0"/>
               </a:solidFill>
@@ -4157,7 +4157,7 @@
         </p:nvSpPr>
         <p:spPr>
           <a:xfrm>
-            <a:off x="3932755" y="2948201"/>
+            <a:off x="4233246" y="2948201"/>
             <a:ext cx="236048" cy="173380"/>
           </a:xfrm>
           <a:prstGeom prst="flowChartDecision">
@@ -4207,7 +4207,7 @@
         </p:nvCxnSpPr>
         <p:spPr>
           <a:xfrm>
-            <a:off x="4168803" y="3034891"/>
+            <a:off x="4469294" y="3034891"/>
             <a:ext cx="292915" cy="1923"/>
           </a:xfrm>
           <a:prstGeom prst="bentConnector3">
@@ -4245,7 +4245,7 @@
         </p:nvSpPr>
         <p:spPr>
           <a:xfrm>
-            <a:off x="6013186" y="2858066"/>
+            <a:off x="6313677" y="2858066"/>
             <a:ext cx="708186" cy="346760"/>
           </a:xfrm>
           <a:prstGeom prst="rect">
@@ -4278,12 +4278,12 @@
           <a:p>
             <a:pPr algn="ctr"/>
             <a:r>
-              <a:rPr lang="en-US" sz="1050" dirty="0" smtClean="0">
+              <a:rPr lang="en-US" sz="1050" dirty="0">
                 <a:solidFill>
                   <a:srgbClr val="7030A0"/>
                 </a:solidFill>
               </a:rPr>
-              <a:t>Student</a:t>
+              <a:t>Person</a:t>
             </a:r>
             <a:endParaRPr lang="en-SG" sz="1050" dirty="0">
               <a:solidFill>
@@ -4301,7 +4301,7 @@
         </p:nvSpPr>
         <p:spPr>
           <a:xfrm>
-            <a:off x="5617969" y="2941065"/>
+            <a:off x="5918460" y="2941065"/>
             <a:ext cx="236048" cy="173380"/>
           </a:xfrm>
           <a:prstGeom prst="flowChartDecision">
@@ -4350,7 +4350,7 @@
         </p:nvCxnSpPr>
         <p:spPr>
           <a:xfrm>
-            <a:off x="5854017" y="3027755"/>
+            <a:off x="6154508" y="3027755"/>
             <a:ext cx="159169" cy="3691"/>
           </a:xfrm>
           <a:prstGeom prst="bentConnector3">
@@ -4388,7 +4388,7 @@
         </p:nvSpPr>
         <p:spPr>
           <a:xfrm>
-            <a:off x="7411906" y="2564238"/>
+            <a:off x="7712397" y="2564238"/>
             <a:ext cx="708186" cy="285783"/>
           </a:xfrm>
           <a:prstGeom prst="rect">
@@ -4444,7 +4444,7 @@
         </p:nvSpPr>
         <p:spPr>
           <a:xfrm>
-            <a:off x="6741456" y="2948201"/>
+            <a:off x="7041947" y="2948201"/>
             <a:ext cx="236048" cy="173380"/>
           </a:xfrm>
           <a:prstGeom prst="flowChartDecision">
@@ -4493,7 +4493,7 @@
         </p:nvCxnSpPr>
         <p:spPr>
           <a:xfrm flipV="1">
-            <a:off x="6977504" y="2706821"/>
+            <a:off x="7277995" y="2706821"/>
             <a:ext cx="434402" cy="327761"/>
           </a:xfrm>
           <a:prstGeom prst="bentConnector3">
@@ -4531,7 +4531,7 @@
         </p:nvSpPr>
         <p:spPr>
           <a:xfrm>
-            <a:off x="7411906" y="2887216"/>
+            <a:off x="7712397" y="2887216"/>
             <a:ext cx="708186" cy="285783"/>
           </a:xfrm>
           <a:prstGeom prst="rect">
@@ -4590,7 +4590,7 @@
         </p:nvCxnSpPr>
         <p:spPr>
           <a:xfrm flipV="1">
-            <a:off x="6977504" y="3030108"/>
+            <a:off x="7277995" y="3030108"/>
             <a:ext cx="434402" cy="4783"/>
           </a:xfrm>
           <a:prstGeom prst="bentConnector3">
@@ -4628,7 +4628,7 @@
         </p:nvSpPr>
         <p:spPr>
           <a:xfrm>
-            <a:off x="7411906" y="3210194"/>
+            <a:off x="7712397" y="3210194"/>
             <a:ext cx="708186" cy="285783"/>
           </a:xfrm>
           <a:prstGeom prst="rect">
@@ -4687,7 +4687,7 @@
         </p:nvCxnSpPr>
         <p:spPr>
           <a:xfrm>
-            <a:off x="6977504" y="3034891"/>
+            <a:off x="7277995" y="3034891"/>
             <a:ext cx="434402" cy="318195"/>
           </a:xfrm>
           <a:prstGeom prst="bentConnector3">
@@ -4725,7 +4725,7 @@
         </p:nvSpPr>
         <p:spPr>
           <a:xfrm>
-            <a:off x="7411906" y="3533171"/>
+            <a:off x="7712397" y="3533171"/>
             <a:ext cx="708186" cy="285783"/>
           </a:xfrm>
           <a:prstGeom prst="rect">
@@ -4784,7 +4784,7 @@
         </p:nvCxnSpPr>
         <p:spPr>
           <a:xfrm>
-            <a:off x="6977504" y="3034891"/>
+            <a:off x="7277995" y="3034891"/>
             <a:ext cx="434402" cy="641172"/>
           </a:xfrm>
           <a:prstGeom prst="bentConnector3">
@@ -4822,7 +4822,7 @@
         </p:nvSpPr>
         <p:spPr>
           <a:xfrm rot="16200000">
-            <a:off x="6062395" y="3586305"/>
+            <a:off x="6362886" y="3586305"/>
             <a:ext cx="881018" cy="261610"/>
           </a:xfrm>
           <a:prstGeom prst="rect">
@@ -4861,7 +4861,7 @@
         </p:nvSpPr>
         <p:spPr>
           <a:xfrm>
-            <a:off x="1756910" y="4239491"/>
+            <a:off x="2057401" y="4239491"/>
             <a:ext cx="1066800" cy="346760"/>
           </a:xfrm>
           <a:prstGeom prst="rect">
@@ -4943,7 +4943,7 @@
         </p:nvCxnSpPr>
         <p:spPr>
           <a:xfrm rot="16200000" flipH="1">
-            <a:off x="1063984" y="3719944"/>
+            <a:off x="1364475" y="3719944"/>
             <a:ext cx="831471" cy="554381"/>
           </a:xfrm>
           <a:prstGeom prst="bentConnector2">
@@ -4982,7 +4982,7 @@
         </p:nvSpPr>
         <p:spPr>
           <a:xfrm>
-            <a:off x="4024481" y="3058864"/>
+            <a:off x="4324972" y="3058864"/>
             <a:ext cx="189257" cy="178683"/>
           </a:xfrm>
           <a:prstGeom prst="rect">
@@ -5021,7 +5021,7 @@
         </p:nvSpPr>
         <p:spPr>
           <a:xfrm>
-            <a:off x="5834765" y="3097917"/>
+            <a:off x="6135256" y="3097917"/>
             <a:ext cx="189257" cy="178683"/>
           </a:xfrm>
           <a:prstGeom prst="rect">
@@ -5060,7 +5060,7 @@
         </p:nvSpPr>
         <p:spPr>
           <a:xfrm>
-            <a:off x="2259676" y="2753818"/>
+            <a:off x="2560167" y="2753818"/>
             <a:ext cx="78378" cy="193767"/>
           </a:xfrm>
           <a:prstGeom prst="rect">
@@ -5099,7 +5099,7 @@
         </p:nvSpPr>
         <p:spPr>
           <a:xfrm>
-            <a:off x="2406579" y="3667737"/>
+            <a:off x="2707070" y="3667737"/>
             <a:ext cx="189257" cy="178683"/>
           </a:xfrm>
           <a:prstGeom prst="rect">
@@ -5138,7 +5138,7 @@
         </p:nvSpPr>
         <p:spPr>
           <a:xfrm>
-            <a:off x="6149405" y="3204826"/>
+            <a:off x="6449896" y="3204826"/>
             <a:ext cx="189257" cy="178683"/>
           </a:xfrm>
           <a:prstGeom prst="rect">
@@ -5174,7 +5174,7 @@
           <p:cNvPr id="52" name="Rectangle 8">
             <a:extLst>
               <a:ext uri="{FF2B5EF4-FFF2-40B4-BE49-F238E27FC236}">
-                <a16:creationId xmlns:a16="http://schemas.microsoft.com/office/drawing/2014/main" xmlns="" id="{ABDCDBD2-131A-4B66-A2F2-43BBEE82C773}"/>
+                <a16:creationId xmlns:a16="http://schemas.microsoft.com/office/drawing/2014/main" id="{ABDCDBD2-131A-4B66-A2F2-43BBEE82C773}"/>
               </a:ext>
             </a:extLst>
           </p:cNvPr>
@@ -5183,7 +5183,7 @@
         </p:nvSpPr>
         <p:spPr>
           <a:xfrm>
-            <a:off x="4455381" y="2206861"/>
+            <a:off x="4755872" y="2206861"/>
             <a:ext cx="1156969" cy="285783"/>
           </a:xfrm>
           <a:prstGeom prst="rect">
@@ -5236,7 +5236,7 @@
           <p:cNvPr id="53" name="Elbow Connector 78">
             <a:extLst>
               <a:ext uri="{FF2B5EF4-FFF2-40B4-BE49-F238E27FC236}">
-                <a16:creationId xmlns:a16="http://schemas.microsoft.com/office/drawing/2014/main" xmlns="" id="{B97967F8-618A-448B-81FD-CDFD4AF0EC64}"/>
+                <a16:creationId xmlns:a16="http://schemas.microsoft.com/office/drawing/2014/main" id="{B97967F8-618A-448B-81FD-CDFD4AF0EC64}"/>
               </a:ext>
             </a:extLst>
           </p:cNvPr>
@@ -5249,7 +5249,7 @@
         </p:nvCxnSpPr>
         <p:spPr>
           <a:xfrm rot="5400000" flipH="1" flipV="1">
-            <a:off x="3932690" y="2536174"/>
+            <a:off x="4233181" y="2536174"/>
             <a:ext cx="709111" cy="336271"/>
           </a:xfrm>
           <a:prstGeom prst="bentConnector2">
@@ -5284,7 +5284,7 @@
           <p:cNvPr id="50" name="TextBox 49">
             <a:extLst>
               <a:ext uri="{FF2B5EF4-FFF2-40B4-BE49-F238E27FC236}">
-                <a16:creationId xmlns:a16="http://schemas.microsoft.com/office/drawing/2014/main" xmlns="" id="{B3FA9D57-880F-49C4-AD0B-A64E30D6F403}"/>
+                <a16:creationId xmlns:a16="http://schemas.microsoft.com/office/drawing/2014/main" id="{B3FA9D57-880F-49C4-AD0B-A64E30D6F403}"/>
               </a:ext>
             </a:extLst>
           </p:cNvPr>
@@ -5293,7 +5293,7 @@
         </p:nvSpPr>
         <p:spPr>
           <a:xfrm>
-            <a:off x="6413853" y="2430721"/>
+            <a:off x="6714344" y="2430721"/>
             <a:ext cx="189257" cy="178683"/>
           </a:xfrm>
           <a:prstGeom prst="rect">
@@ -5329,7 +5329,7 @@
           <p:cNvPr id="55" name="Flowchart: Decision 96">
             <a:extLst>
               <a:ext uri="{FF2B5EF4-FFF2-40B4-BE49-F238E27FC236}">
-                <a16:creationId xmlns:a16="http://schemas.microsoft.com/office/drawing/2014/main" xmlns="" id="{B9F96195-942D-4692-91B7-CF34229E7461}"/>
+                <a16:creationId xmlns:a16="http://schemas.microsoft.com/office/drawing/2014/main" id="{B9F96195-942D-4692-91B7-CF34229E7461}"/>
               </a:ext>
             </a:extLst>
           </p:cNvPr>
@@ -5338,7 +5338,7 @@
         </p:nvSpPr>
         <p:spPr>
           <a:xfrm rot="16200000">
-            <a:off x="6252991" y="2664721"/>
+            <a:off x="6553482" y="2664721"/>
             <a:ext cx="236048" cy="173380"/>
           </a:xfrm>
           <a:prstGeom prst="flowChartDecision">
@@ -5380,7 +5380,7 @@
           <p:cNvPr id="59" name="Elbow Connector 63">
             <a:extLst>
               <a:ext uri="{FF2B5EF4-FFF2-40B4-BE49-F238E27FC236}">
-                <a16:creationId xmlns:a16="http://schemas.microsoft.com/office/drawing/2014/main" xmlns="" id="{E2D6A56C-A223-4236-A1F0-7EFEBA2FC940}"/>
+                <a16:creationId xmlns:a16="http://schemas.microsoft.com/office/drawing/2014/main" id="{E2D6A56C-A223-4236-A1F0-7EFEBA2FC940}"/>
               </a:ext>
             </a:extLst>
           </p:cNvPr>
@@ -5392,7 +5392,7 @@
         </p:nvCxnSpPr>
         <p:spPr>
           <a:xfrm flipV="1">
-            <a:off x="5583789" y="2233006"/>
+            <a:off x="5884280" y="2233006"/>
             <a:ext cx="432916" cy="111294"/>
           </a:xfrm>
           <a:prstGeom prst="bentConnector3">
@@ -5427,7 +5427,7 @@
           <p:cNvPr id="67" name="Rectangle 8">
             <a:extLst>
               <a:ext uri="{FF2B5EF4-FFF2-40B4-BE49-F238E27FC236}">
-                <a16:creationId xmlns:a16="http://schemas.microsoft.com/office/drawing/2014/main" xmlns="" id="{36D68104-33BB-4C8F-B764-F3F0B25E592B}"/>
+                <a16:creationId xmlns:a16="http://schemas.microsoft.com/office/drawing/2014/main" id="{36D68104-33BB-4C8F-B764-F3F0B25E592B}"/>
               </a:ext>
             </a:extLst>
           </p:cNvPr>
@@ -5436,7 +5436,7 @@
         </p:nvSpPr>
         <p:spPr>
           <a:xfrm>
-            <a:off x="6016705" y="2059626"/>
+            <a:off x="6317196" y="2059626"/>
             <a:ext cx="708186" cy="346760"/>
           </a:xfrm>
           <a:prstGeom prst="rect">
@@ -5489,7 +5489,7 @@
           <p:cNvPr id="68" name="TextBox 67">
             <a:extLst>
               <a:ext uri="{FF2B5EF4-FFF2-40B4-BE49-F238E27FC236}">
-                <a16:creationId xmlns:a16="http://schemas.microsoft.com/office/drawing/2014/main" xmlns="" id="{18A2ABF0-4DA8-43EE-BACE-A737C4E4CFEC}"/>
+                <a16:creationId xmlns:a16="http://schemas.microsoft.com/office/drawing/2014/main" id="{18A2ABF0-4DA8-43EE-BACE-A737C4E4CFEC}"/>
               </a:ext>
             </a:extLst>
           </p:cNvPr>
@@ -5498,7 +5498,7 @@
         </p:nvSpPr>
         <p:spPr>
           <a:xfrm>
-            <a:off x="5834765" y="2278014"/>
+            <a:off x="6135256" y="2278014"/>
             <a:ext cx="189257" cy="178683"/>
           </a:xfrm>
           <a:prstGeom prst="rect">
@@ -5534,7 +5534,7 @@
           <p:cNvPr id="69" name="TextBox 68">
             <a:extLst>
               <a:ext uri="{FF2B5EF4-FFF2-40B4-BE49-F238E27FC236}">
-                <a16:creationId xmlns:a16="http://schemas.microsoft.com/office/drawing/2014/main" xmlns="" id="{8CF9406A-39C7-4163-8880-BB65541FC08E}"/>
+                <a16:creationId xmlns:a16="http://schemas.microsoft.com/office/drawing/2014/main" id="{8CF9406A-39C7-4163-8880-BB65541FC08E}"/>
               </a:ext>
             </a:extLst>
           </p:cNvPr>
@@ -5543,7 +5543,7 @@
         </p:nvSpPr>
         <p:spPr>
           <a:xfrm>
-            <a:off x="4066609" y="2172972"/>
+            <a:off x="4367100" y="2172972"/>
             <a:ext cx="189257" cy="178683"/>
           </a:xfrm>
           <a:prstGeom prst="rect">
@@ -5579,7 +5579,7 @@
           <p:cNvPr id="71" name="Flowchart: Decision 96">
             <a:extLst>
               <a:ext uri="{FF2B5EF4-FFF2-40B4-BE49-F238E27FC236}">
-                <a16:creationId xmlns:a16="http://schemas.microsoft.com/office/drawing/2014/main" xmlns="" id="{233007D4-EEA2-4CA6-ACFE-1517B654224E}"/>
+                <a16:creationId xmlns:a16="http://schemas.microsoft.com/office/drawing/2014/main" id="{233007D4-EEA2-4CA6-ACFE-1517B654224E}"/>
               </a:ext>
             </a:extLst>
           </p:cNvPr>
@@ -5588,7 +5588,7 @@
         </p:nvSpPr>
         <p:spPr>
           <a:xfrm>
-            <a:off x="5610838" y="2262081"/>
+            <a:off x="5911329" y="2262081"/>
             <a:ext cx="236048" cy="173380"/>
           </a:xfrm>
           <a:prstGeom prst="flowChartDecision">
@@ -5632,7 +5632,7 @@
           <p:cNvPr id="72" name="Elbow Connector 78">
             <a:extLst>
               <a:ext uri="{FF2B5EF4-FFF2-40B4-BE49-F238E27FC236}">
-                <a16:creationId xmlns:a16="http://schemas.microsoft.com/office/drawing/2014/main" xmlns="" id="{D5DFB8C5-B0B0-46C1-967B-4449112ABD6F}"/>
+                <a16:creationId xmlns:a16="http://schemas.microsoft.com/office/drawing/2014/main" id="{D5DFB8C5-B0B0-46C1-967B-4449112ABD6F}"/>
               </a:ext>
             </a:extLst>
           </p:cNvPr>
@@ -5645,7 +5645,7 @@
         </p:nvCxnSpPr>
         <p:spPr>
           <a:xfrm rot="16200000" flipV="1">
-            <a:off x="6257407" y="2519778"/>
+            <a:off x="6557898" y="2519778"/>
             <a:ext cx="227001" cy="217"/>
           </a:xfrm>
           <a:prstGeom prst="bentConnector3">
@@ -5687,7 +5687,7 @@
         </p:nvCxnSpPr>
         <p:spPr>
           <a:xfrm rot="5400000">
-            <a:off x="3170145" y="2687353"/>
+            <a:off x="3470636" y="2687353"/>
             <a:ext cx="293825" cy="5938"/>
           </a:xfrm>
           <a:prstGeom prst="bentConnector3">
@@ -5728,7 +5728,7 @@
         </p:nvSpPr>
         <p:spPr>
           <a:xfrm rot="10800000" flipV="1">
-            <a:off x="3178833" y="2386348"/>
+            <a:off x="3479324" y="2386348"/>
             <a:ext cx="282387" cy="157062"/>
           </a:xfrm>
           <a:prstGeom prst="triangle">
@@ -5776,7 +5776,7 @@
         </p:nvSpPr>
         <p:spPr>
           <a:xfrm>
-            <a:off x="877456" y="1998144"/>
+            <a:off x="1177947" y="1998144"/>
             <a:ext cx="1443661" cy="364396"/>
           </a:xfrm>
           <a:prstGeom prst="rect">
@@ -5824,12 +5824,12 @@
               </a:rPr>
             </a:br>
             <a:r>
-              <a:rPr lang="en-US" sz="1050" dirty="0" err="1" smtClean="0">
+              <a:rPr lang="en-US" sz="1050" dirty="0" err="1">
                 <a:solidFill>
                   <a:srgbClr val="7030A0"/>
                 </a:solidFill>
               </a:rPr>
-              <a:t>ReadOnlyTutorHelper</a:t>
+              <a:t>ReadOnlyAddressBook</a:t>
             </a:r>
             <a:endParaRPr lang="en-SG" sz="1050" dirty="0">
               <a:solidFill>
@@ -5847,7 +5847,7 @@
         </p:nvSpPr>
         <p:spPr>
           <a:xfrm>
-            <a:off x="2786715" y="1998144"/>
+            <a:off x="3087206" y="1998144"/>
             <a:ext cx="1060683" cy="364396"/>
           </a:xfrm>
           <a:prstGeom prst="rect">
@@ -5880,12 +5880,12 @@
           <a:p>
             <a:pPr algn="ctr"/>
             <a:r>
-              <a:rPr lang="en-US" sz="1050" dirty="0" err="1" smtClean="0">
+              <a:rPr lang="en-US" sz="1050" dirty="0" err="1">
                 <a:solidFill>
                   <a:srgbClr val="7030A0"/>
                 </a:solidFill>
               </a:rPr>
-              <a:t>TutorHelper</a:t>
+              <a:t>AddressBook</a:t>
             </a:r>
             <a:endParaRPr lang="en-SG" sz="1050" dirty="0">
               <a:solidFill>
@@ -5903,7 +5903,7 @@
         </p:nvSpPr>
         <p:spPr>
           <a:xfrm rot="16200000">
-            <a:off x="2285607" y="2068952"/>
+            <a:off x="2586098" y="2068952"/>
             <a:ext cx="271014" cy="187417"/>
           </a:xfrm>
           <a:prstGeom prst="triangle">
@@ -5958,7 +5958,7 @@
         </p:nvCxnSpPr>
         <p:spPr>
           <a:xfrm>
-            <a:off x="2514823" y="2177521"/>
+            <a:off x="2815314" y="2177521"/>
             <a:ext cx="271892" cy="2821"/>
           </a:xfrm>
           <a:prstGeom prst="bentConnector3">
@@ -5973,304 +5973,6 @@
             <a:prstDash val="sysDot"/>
             <a:headEnd type="none" w="med" len="med"/>
             <a:tailEnd type="none" w="med" len="med"/>
-          </a:ln>
-          <a:effectLst/>
-        </p:spPr>
-        <p:style>
-          <a:lnRef idx="1">
-            <a:schemeClr val="accent2"/>
-          </a:lnRef>
-          <a:fillRef idx="2">
-            <a:schemeClr val="accent2"/>
-          </a:fillRef>
-          <a:effectRef idx="1">
-            <a:schemeClr val="accent2"/>
-          </a:effectRef>
-          <a:fontRef idx="minor">
-            <a:schemeClr val="dk1"/>
-          </a:fontRef>
-        </p:style>
-      </p:cxnSp>
-      <p:sp>
-        <p:nvSpPr>
-          <p:cNvPr id="56" name="Rectangle 8"/>
-          <p:cNvSpPr/>
-          <p:nvPr/>
-        </p:nvSpPr>
-        <p:spPr>
-          <a:xfrm>
-            <a:off x="7411906" y="3856148"/>
-            <a:ext cx="708186" cy="285783"/>
-          </a:xfrm>
-          <a:prstGeom prst="rect">
-            <a:avLst/>
-          </a:prstGeom>
-          <a:ln w="19050">
-            <a:solidFill>
-              <a:srgbClr val="7030A0"/>
-            </a:solidFill>
-          </a:ln>
-          <a:effectLst/>
-        </p:spPr>
-        <p:style>
-          <a:lnRef idx="1">
-            <a:schemeClr val="accent4"/>
-          </a:lnRef>
-          <a:fillRef idx="2">
-            <a:schemeClr val="accent4"/>
-          </a:fillRef>
-          <a:effectRef idx="1">
-            <a:schemeClr val="accent4"/>
-          </a:effectRef>
-          <a:fontRef idx="minor">
-            <a:schemeClr val="dk1"/>
-          </a:fontRef>
-        </p:style>
-        <p:txBody>
-          <a:bodyPr rtlCol="0" anchor="ctr"/>
-          <a:lstStyle/>
-          <a:p>
-            <a:pPr algn="ctr"/>
-            <a:r>
-              <a:rPr lang="en-US" sz="950" dirty="0" smtClean="0">
-                <a:solidFill>
-                  <a:srgbClr val="7030A0"/>
-                </a:solidFill>
-              </a:rPr>
-              <a:t>Tuition Timing</a:t>
-            </a:r>
-            <a:endParaRPr lang="en-SG" sz="950" dirty="0">
-              <a:solidFill>
-                <a:srgbClr val="7030A0"/>
-              </a:solidFill>
-            </a:endParaRPr>
-          </a:p>
-        </p:txBody>
-      </p:sp>
-      <p:cxnSp>
-        <p:nvCxnSpPr>
-          <p:cNvPr id="57" name="Elbow Connector 56"/>
-          <p:cNvCxnSpPr>
-            <a:stCxn id="78" idx="3"/>
-            <a:endCxn id="56" idx="1"/>
-          </p:cNvCxnSpPr>
-          <p:nvPr/>
-        </p:nvCxnSpPr>
-        <p:spPr>
-          <a:xfrm>
-            <a:off x="6977504" y="3034891"/>
-            <a:ext cx="434402" cy="964149"/>
-          </a:xfrm>
-          <a:prstGeom prst="bentConnector3">
-            <a:avLst>
-              <a:gd name="adj1" fmla="val 50000"/>
-            </a:avLst>
-          </a:prstGeom>
-          <a:ln w="19050">
-            <a:solidFill>
-              <a:srgbClr val="7030A0"/>
-            </a:solidFill>
-            <a:headEnd type="none" w="med" len="med"/>
-            <a:tailEnd type="arrow" w="med" len="med"/>
-          </a:ln>
-          <a:effectLst/>
-        </p:spPr>
-        <p:style>
-          <a:lnRef idx="1">
-            <a:schemeClr val="accent2"/>
-          </a:lnRef>
-          <a:fillRef idx="2">
-            <a:schemeClr val="accent2"/>
-          </a:fillRef>
-          <a:effectRef idx="1">
-            <a:schemeClr val="accent2"/>
-          </a:effectRef>
-          <a:fontRef idx="minor">
-            <a:schemeClr val="dk1"/>
-          </a:fontRef>
-        </p:style>
-      </p:cxnSp>
-      <p:sp>
-        <p:nvSpPr>
-          <p:cNvPr id="60" name="Rectangle 8"/>
-          <p:cNvSpPr/>
-          <p:nvPr/>
-        </p:nvSpPr>
-        <p:spPr>
-          <a:xfrm>
-            <a:off x="7411414" y="4179125"/>
-            <a:ext cx="708186" cy="285783"/>
-          </a:xfrm>
-          <a:prstGeom prst="rect">
-            <a:avLst/>
-          </a:prstGeom>
-          <a:ln w="19050">
-            <a:solidFill>
-              <a:srgbClr val="7030A0"/>
-            </a:solidFill>
-          </a:ln>
-          <a:effectLst/>
-        </p:spPr>
-        <p:style>
-          <a:lnRef idx="1">
-            <a:schemeClr val="accent4"/>
-          </a:lnRef>
-          <a:fillRef idx="2">
-            <a:schemeClr val="accent4"/>
-          </a:fillRef>
-          <a:effectRef idx="1">
-            <a:schemeClr val="accent4"/>
-          </a:effectRef>
-          <a:fontRef idx="minor">
-            <a:schemeClr val="dk1"/>
-          </a:fontRef>
-        </p:style>
-        <p:txBody>
-          <a:bodyPr rtlCol="0" anchor="ctr"/>
-          <a:lstStyle/>
-          <a:p>
-            <a:pPr algn="ctr"/>
-            <a:r>
-              <a:rPr lang="en-SG" sz="1050" dirty="0" smtClean="0">
-                <a:solidFill>
-                  <a:srgbClr val="7030A0"/>
-                </a:solidFill>
-              </a:rPr>
-              <a:t>Payment</a:t>
-            </a:r>
-            <a:endParaRPr lang="en-SG" sz="1050" dirty="0">
-              <a:solidFill>
-                <a:srgbClr val="7030A0"/>
-              </a:solidFill>
-            </a:endParaRPr>
-          </a:p>
-        </p:txBody>
-      </p:sp>
-      <p:cxnSp>
-        <p:nvCxnSpPr>
-          <p:cNvPr id="73" name="Elbow Connector 72"/>
-          <p:cNvCxnSpPr>
-            <a:stCxn id="78" idx="3"/>
-            <a:endCxn id="60" idx="1"/>
-          </p:cNvCxnSpPr>
-          <p:nvPr/>
-        </p:nvCxnSpPr>
-        <p:spPr>
-          <a:xfrm>
-            <a:off x="6977504" y="3034891"/>
-            <a:ext cx="433910" cy="1287126"/>
-          </a:xfrm>
-          <a:prstGeom prst="bentConnector3">
-            <a:avLst>
-              <a:gd name="adj1" fmla="val 50000"/>
-            </a:avLst>
-          </a:prstGeom>
-          <a:ln w="19050">
-            <a:solidFill>
-              <a:srgbClr val="7030A0"/>
-            </a:solidFill>
-            <a:headEnd type="none" w="med" len="med"/>
-            <a:tailEnd type="arrow" w="med" len="med"/>
-          </a:ln>
-          <a:effectLst/>
-        </p:spPr>
-        <p:style>
-          <a:lnRef idx="1">
-            <a:schemeClr val="accent2"/>
-          </a:lnRef>
-          <a:fillRef idx="2">
-            <a:schemeClr val="accent2"/>
-          </a:fillRef>
-          <a:effectRef idx="1">
-            <a:schemeClr val="accent2"/>
-          </a:effectRef>
-          <a:fontRef idx="minor">
-            <a:schemeClr val="dk1"/>
-          </a:fontRef>
-        </p:style>
-      </p:cxnSp>
-      <p:sp>
-        <p:nvSpPr>
-          <p:cNvPr id="74" name="Rectangle 8"/>
-          <p:cNvSpPr/>
-          <p:nvPr/>
-        </p:nvSpPr>
-        <p:spPr>
-          <a:xfrm>
-            <a:off x="7408211" y="2241261"/>
-            <a:ext cx="708186" cy="285783"/>
-          </a:xfrm>
-          <a:prstGeom prst="rect">
-            <a:avLst/>
-          </a:prstGeom>
-          <a:ln w="19050">
-            <a:solidFill>
-              <a:srgbClr val="7030A0"/>
-            </a:solidFill>
-          </a:ln>
-          <a:effectLst/>
-        </p:spPr>
-        <p:style>
-          <a:lnRef idx="1">
-            <a:schemeClr val="accent4"/>
-          </a:lnRef>
-          <a:fillRef idx="2">
-            <a:schemeClr val="accent4"/>
-          </a:fillRef>
-          <a:effectRef idx="1">
-            <a:schemeClr val="accent4"/>
-          </a:effectRef>
-          <a:fontRef idx="minor">
-            <a:schemeClr val="dk1"/>
-          </a:fontRef>
-        </p:style>
-        <p:txBody>
-          <a:bodyPr rtlCol="0" anchor="ctr"/>
-          <a:lstStyle/>
-          <a:p>
-            <a:pPr algn="ctr"/>
-            <a:r>
-              <a:rPr lang="en-US" sz="1050" dirty="0" smtClean="0">
-                <a:solidFill>
-                  <a:srgbClr val="7030A0"/>
-                </a:solidFill>
-              </a:rPr>
-              <a:t>Subject</a:t>
-            </a:r>
-            <a:endParaRPr lang="en-SG" sz="1050" dirty="0">
-              <a:solidFill>
-                <a:srgbClr val="7030A0"/>
-              </a:solidFill>
-            </a:endParaRPr>
-          </a:p>
-        </p:txBody>
-      </p:sp>
-      <p:cxnSp>
-        <p:nvCxnSpPr>
-          <p:cNvPr id="77" name="Elbow Connector 76"/>
-          <p:cNvCxnSpPr>
-            <a:cxnSpLocks/>
-            <a:stCxn id="78" idx="3"/>
-            <a:endCxn id="74" idx="1"/>
-          </p:cNvCxnSpPr>
-          <p:nvPr/>
-        </p:nvCxnSpPr>
-        <p:spPr>
-          <a:xfrm flipV="1">
-            <a:off x="6977504" y="2384153"/>
-            <a:ext cx="430707" cy="650738"/>
-          </a:xfrm>
-          <a:prstGeom prst="bentConnector3">
-            <a:avLst>
-              <a:gd name="adj1" fmla="val 50000"/>
-            </a:avLst>
-          </a:prstGeom>
-          <a:ln w="19050">
-            <a:solidFill>
-              <a:srgbClr val="7030A0"/>
-            </a:solidFill>
-            <a:headEnd type="none" w="med" len="med"/>
-            <a:tailEnd type="arrow" w="med" len="med"/>
           </a:ln>
           <a:effectLst/>
         </p:spPr>
